--- a/resultfigures.pptx
+++ b/resultfigures.pptx
@@ -133,7 +133,7 @@
           <p:cNvPr id="2" name="Titel 1">
             <a:extLst>
               <a:ext uri="{FF2B5EF4-FFF2-40B4-BE49-F238E27FC236}">
-                <a16:creationId xmlns:a16="http://schemas.microsoft.com/office/drawing/2014/main" id="{3A2C9EFE-6E0D-4E94-BCFF-FA6D86C464C3}"/>
+                <a16:creationId xmlns:a16="http://schemas.microsoft.com/office/drawing/2014/main" xmlns="" id="{3A2C9EFE-6E0D-4E94-BCFF-FA6D86C464C3}"/>
               </a:ext>
             </a:extLst>
           </p:cNvPr>
@@ -170,7 +170,7 @@
           <p:cNvPr id="3" name="Ondertitel 2">
             <a:extLst>
               <a:ext uri="{FF2B5EF4-FFF2-40B4-BE49-F238E27FC236}">
-                <a16:creationId xmlns:a16="http://schemas.microsoft.com/office/drawing/2014/main" id="{8D408968-5842-41E3-B378-FA2D70802D43}"/>
+                <a16:creationId xmlns:a16="http://schemas.microsoft.com/office/drawing/2014/main" xmlns="" id="{8D408968-5842-41E3-B378-FA2D70802D43}"/>
               </a:ext>
             </a:extLst>
           </p:cNvPr>
@@ -240,7 +240,7 @@
           <p:cNvPr id="4" name="Tijdelijke aanduiding voor datum 3">
             <a:extLst>
               <a:ext uri="{FF2B5EF4-FFF2-40B4-BE49-F238E27FC236}">
-                <a16:creationId xmlns:a16="http://schemas.microsoft.com/office/drawing/2014/main" id="{53F71040-8FE9-4B04-8A2F-65B60FA8C421}"/>
+                <a16:creationId xmlns:a16="http://schemas.microsoft.com/office/drawing/2014/main" xmlns="" id="{53F71040-8FE9-4B04-8A2F-65B60FA8C421}"/>
               </a:ext>
             </a:extLst>
           </p:cNvPr>
@@ -269,7 +269,7 @@
           <p:cNvPr id="5" name="Tijdelijke aanduiding voor voettekst 4">
             <a:extLst>
               <a:ext uri="{FF2B5EF4-FFF2-40B4-BE49-F238E27FC236}">
-                <a16:creationId xmlns:a16="http://schemas.microsoft.com/office/drawing/2014/main" id="{4F37D1DC-E53B-4F69-AEBE-BCE57DE6A11D}"/>
+                <a16:creationId xmlns:a16="http://schemas.microsoft.com/office/drawing/2014/main" xmlns="" id="{4F37D1DC-E53B-4F69-AEBE-BCE57DE6A11D}"/>
               </a:ext>
             </a:extLst>
           </p:cNvPr>
@@ -294,7 +294,7 @@
           <p:cNvPr id="6" name="Tijdelijke aanduiding voor dianummer 5">
             <a:extLst>
               <a:ext uri="{FF2B5EF4-FFF2-40B4-BE49-F238E27FC236}">
-                <a16:creationId xmlns:a16="http://schemas.microsoft.com/office/drawing/2014/main" id="{51107BE6-97AE-4679-88A8-17D4723C4140}"/>
+                <a16:creationId xmlns:a16="http://schemas.microsoft.com/office/drawing/2014/main" xmlns="" id="{51107BE6-97AE-4679-88A8-17D4723C4140}"/>
               </a:ext>
             </a:extLst>
           </p:cNvPr>
@@ -353,7 +353,7 @@
           <p:cNvPr id="2" name="Titel 1">
             <a:extLst>
               <a:ext uri="{FF2B5EF4-FFF2-40B4-BE49-F238E27FC236}">
-                <a16:creationId xmlns:a16="http://schemas.microsoft.com/office/drawing/2014/main" id="{0B4464C9-B901-44D3-998F-245AA75C3094}"/>
+                <a16:creationId xmlns:a16="http://schemas.microsoft.com/office/drawing/2014/main" xmlns="" id="{0B4464C9-B901-44D3-998F-245AA75C3094}"/>
               </a:ext>
             </a:extLst>
           </p:cNvPr>
@@ -381,7 +381,7 @@
           <p:cNvPr id="3" name="Tijdelijke aanduiding voor verticale tekst 2">
             <a:extLst>
               <a:ext uri="{FF2B5EF4-FFF2-40B4-BE49-F238E27FC236}">
-                <a16:creationId xmlns:a16="http://schemas.microsoft.com/office/drawing/2014/main" id="{61459777-2D78-4A91-AAB3-3C7856FF879A}"/>
+                <a16:creationId xmlns:a16="http://schemas.microsoft.com/office/drawing/2014/main" xmlns="" id="{61459777-2D78-4A91-AAB3-3C7856FF879A}"/>
               </a:ext>
             </a:extLst>
           </p:cNvPr>
@@ -438,7 +438,7 @@
           <p:cNvPr id="4" name="Tijdelijke aanduiding voor datum 3">
             <a:extLst>
               <a:ext uri="{FF2B5EF4-FFF2-40B4-BE49-F238E27FC236}">
-                <a16:creationId xmlns:a16="http://schemas.microsoft.com/office/drawing/2014/main" id="{A583AC43-0658-4F3B-8072-1C1C3FC0AECC}"/>
+                <a16:creationId xmlns:a16="http://schemas.microsoft.com/office/drawing/2014/main" xmlns="" id="{A583AC43-0658-4F3B-8072-1C1C3FC0AECC}"/>
               </a:ext>
             </a:extLst>
           </p:cNvPr>
@@ -467,7 +467,7 @@
           <p:cNvPr id="5" name="Tijdelijke aanduiding voor voettekst 4">
             <a:extLst>
               <a:ext uri="{FF2B5EF4-FFF2-40B4-BE49-F238E27FC236}">
-                <a16:creationId xmlns:a16="http://schemas.microsoft.com/office/drawing/2014/main" id="{66BA1416-E8F2-45FF-8014-9769BC92C17E}"/>
+                <a16:creationId xmlns:a16="http://schemas.microsoft.com/office/drawing/2014/main" xmlns="" id="{66BA1416-E8F2-45FF-8014-9769BC92C17E}"/>
               </a:ext>
             </a:extLst>
           </p:cNvPr>
@@ -492,7 +492,7 @@
           <p:cNvPr id="6" name="Tijdelijke aanduiding voor dianummer 5">
             <a:extLst>
               <a:ext uri="{FF2B5EF4-FFF2-40B4-BE49-F238E27FC236}">
-                <a16:creationId xmlns:a16="http://schemas.microsoft.com/office/drawing/2014/main" id="{F561EEF8-608A-4B5D-A291-FE55077EB3EC}"/>
+                <a16:creationId xmlns:a16="http://schemas.microsoft.com/office/drawing/2014/main" xmlns="" id="{F561EEF8-608A-4B5D-A291-FE55077EB3EC}"/>
               </a:ext>
             </a:extLst>
           </p:cNvPr>
@@ -551,7 +551,7 @@
           <p:cNvPr id="2" name="Verticale titel 1">
             <a:extLst>
               <a:ext uri="{FF2B5EF4-FFF2-40B4-BE49-F238E27FC236}">
-                <a16:creationId xmlns:a16="http://schemas.microsoft.com/office/drawing/2014/main" id="{25A65DA7-933C-4668-BA9B-9D08A5DABF58}"/>
+                <a16:creationId xmlns:a16="http://schemas.microsoft.com/office/drawing/2014/main" xmlns="" id="{25A65DA7-933C-4668-BA9B-9D08A5DABF58}"/>
               </a:ext>
             </a:extLst>
           </p:cNvPr>
@@ -584,7 +584,7 @@
           <p:cNvPr id="3" name="Tijdelijke aanduiding voor verticale tekst 2">
             <a:extLst>
               <a:ext uri="{FF2B5EF4-FFF2-40B4-BE49-F238E27FC236}">
-                <a16:creationId xmlns:a16="http://schemas.microsoft.com/office/drawing/2014/main" id="{D0014867-634F-49C4-8362-CF8ACF66E938}"/>
+                <a16:creationId xmlns:a16="http://schemas.microsoft.com/office/drawing/2014/main" xmlns="" id="{D0014867-634F-49C4-8362-CF8ACF66E938}"/>
               </a:ext>
             </a:extLst>
           </p:cNvPr>
@@ -646,7 +646,7 @@
           <p:cNvPr id="4" name="Tijdelijke aanduiding voor datum 3">
             <a:extLst>
               <a:ext uri="{FF2B5EF4-FFF2-40B4-BE49-F238E27FC236}">
-                <a16:creationId xmlns:a16="http://schemas.microsoft.com/office/drawing/2014/main" id="{927A7450-7FF9-4C16-8BEA-E814643FEBE5}"/>
+                <a16:creationId xmlns:a16="http://schemas.microsoft.com/office/drawing/2014/main" xmlns="" id="{927A7450-7FF9-4C16-8BEA-E814643FEBE5}"/>
               </a:ext>
             </a:extLst>
           </p:cNvPr>
@@ -675,7 +675,7 @@
           <p:cNvPr id="5" name="Tijdelijke aanduiding voor voettekst 4">
             <a:extLst>
               <a:ext uri="{FF2B5EF4-FFF2-40B4-BE49-F238E27FC236}">
-                <a16:creationId xmlns:a16="http://schemas.microsoft.com/office/drawing/2014/main" id="{2BF2E251-BA4B-4620-BE87-5418835715E1}"/>
+                <a16:creationId xmlns:a16="http://schemas.microsoft.com/office/drawing/2014/main" xmlns="" id="{2BF2E251-BA4B-4620-BE87-5418835715E1}"/>
               </a:ext>
             </a:extLst>
           </p:cNvPr>
@@ -700,7 +700,7 @@
           <p:cNvPr id="6" name="Tijdelijke aanduiding voor dianummer 5">
             <a:extLst>
               <a:ext uri="{FF2B5EF4-FFF2-40B4-BE49-F238E27FC236}">
-                <a16:creationId xmlns:a16="http://schemas.microsoft.com/office/drawing/2014/main" id="{8EA16859-A8ED-421E-802A-7DEC08D55E16}"/>
+                <a16:creationId xmlns:a16="http://schemas.microsoft.com/office/drawing/2014/main" xmlns="" id="{8EA16859-A8ED-421E-802A-7DEC08D55E16}"/>
               </a:ext>
             </a:extLst>
           </p:cNvPr>
@@ -759,7 +759,7 @@
           <p:cNvPr id="2" name="Titel 1">
             <a:extLst>
               <a:ext uri="{FF2B5EF4-FFF2-40B4-BE49-F238E27FC236}">
-                <a16:creationId xmlns:a16="http://schemas.microsoft.com/office/drawing/2014/main" id="{339D342C-06E9-42C1-864E-BCC92C394FD0}"/>
+                <a16:creationId xmlns:a16="http://schemas.microsoft.com/office/drawing/2014/main" xmlns="" id="{339D342C-06E9-42C1-864E-BCC92C394FD0}"/>
               </a:ext>
             </a:extLst>
           </p:cNvPr>
@@ -787,7 +787,7 @@
           <p:cNvPr id="3" name="Tijdelijke aanduiding voor inhoud 2">
             <a:extLst>
               <a:ext uri="{FF2B5EF4-FFF2-40B4-BE49-F238E27FC236}">
-                <a16:creationId xmlns:a16="http://schemas.microsoft.com/office/drawing/2014/main" id="{C13ECC11-ED07-4BF8-B5D8-63EA9DD52A20}"/>
+                <a16:creationId xmlns:a16="http://schemas.microsoft.com/office/drawing/2014/main" xmlns="" id="{C13ECC11-ED07-4BF8-B5D8-63EA9DD52A20}"/>
               </a:ext>
             </a:extLst>
           </p:cNvPr>
@@ -844,7 +844,7 @@
           <p:cNvPr id="4" name="Tijdelijke aanduiding voor datum 3">
             <a:extLst>
               <a:ext uri="{FF2B5EF4-FFF2-40B4-BE49-F238E27FC236}">
-                <a16:creationId xmlns:a16="http://schemas.microsoft.com/office/drawing/2014/main" id="{906D90BA-C9DE-40E8-AC4B-AAACAC5A3397}"/>
+                <a16:creationId xmlns:a16="http://schemas.microsoft.com/office/drawing/2014/main" xmlns="" id="{906D90BA-C9DE-40E8-AC4B-AAACAC5A3397}"/>
               </a:ext>
             </a:extLst>
           </p:cNvPr>
@@ -873,7 +873,7 @@
           <p:cNvPr id="5" name="Tijdelijke aanduiding voor voettekst 4">
             <a:extLst>
               <a:ext uri="{FF2B5EF4-FFF2-40B4-BE49-F238E27FC236}">
-                <a16:creationId xmlns:a16="http://schemas.microsoft.com/office/drawing/2014/main" id="{421BDA2B-E914-4645-B302-5F71CE36D359}"/>
+                <a16:creationId xmlns:a16="http://schemas.microsoft.com/office/drawing/2014/main" xmlns="" id="{421BDA2B-E914-4645-B302-5F71CE36D359}"/>
               </a:ext>
             </a:extLst>
           </p:cNvPr>
@@ -898,7 +898,7 @@
           <p:cNvPr id="6" name="Tijdelijke aanduiding voor dianummer 5">
             <a:extLst>
               <a:ext uri="{FF2B5EF4-FFF2-40B4-BE49-F238E27FC236}">
-                <a16:creationId xmlns:a16="http://schemas.microsoft.com/office/drawing/2014/main" id="{D22BA647-2FCB-42A5-B03C-09F893BCE366}"/>
+                <a16:creationId xmlns:a16="http://schemas.microsoft.com/office/drawing/2014/main" xmlns="" id="{D22BA647-2FCB-42A5-B03C-09F893BCE366}"/>
               </a:ext>
             </a:extLst>
           </p:cNvPr>
@@ -957,7 +957,7 @@
           <p:cNvPr id="2" name="Titel 1">
             <a:extLst>
               <a:ext uri="{FF2B5EF4-FFF2-40B4-BE49-F238E27FC236}">
-                <a16:creationId xmlns:a16="http://schemas.microsoft.com/office/drawing/2014/main" id="{17892B4D-6613-4750-BF3A-6F36ABE1273C}"/>
+                <a16:creationId xmlns:a16="http://schemas.microsoft.com/office/drawing/2014/main" xmlns="" id="{17892B4D-6613-4750-BF3A-6F36ABE1273C}"/>
               </a:ext>
             </a:extLst>
           </p:cNvPr>
@@ -994,7 +994,7 @@
           <p:cNvPr id="3" name="Tijdelijke aanduiding voor tekst 2">
             <a:extLst>
               <a:ext uri="{FF2B5EF4-FFF2-40B4-BE49-F238E27FC236}">
-                <a16:creationId xmlns:a16="http://schemas.microsoft.com/office/drawing/2014/main" id="{3FAA8A6C-8D0B-4857-8159-D5D356F41583}"/>
+                <a16:creationId xmlns:a16="http://schemas.microsoft.com/office/drawing/2014/main" xmlns="" id="{3FAA8A6C-8D0B-4857-8159-D5D356F41583}"/>
               </a:ext>
             </a:extLst>
           </p:cNvPr>
@@ -1119,7 +1119,7 @@
           <p:cNvPr id="4" name="Tijdelijke aanduiding voor datum 3">
             <a:extLst>
               <a:ext uri="{FF2B5EF4-FFF2-40B4-BE49-F238E27FC236}">
-                <a16:creationId xmlns:a16="http://schemas.microsoft.com/office/drawing/2014/main" id="{7D278881-A3A4-464D-BCEB-D542BA49B1DE}"/>
+                <a16:creationId xmlns:a16="http://schemas.microsoft.com/office/drawing/2014/main" xmlns="" id="{7D278881-A3A4-464D-BCEB-D542BA49B1DE}"/>
               </a:ext>
             </a:extLst>
           </p:cNvPr>
@@ -1148,7 +1148,7 @@
           <p:cNvPr id="5" name="Tijdelijke aanduiding voor voettekst 4">
             <a:extLst>
               <a:ext uri="{FF2B5EF4-FFF2-40B4-BE49-F238E27FC236}">
-                <a16:creationId xmlns:a16="http://schemas.microsoft.com/office/drawing/2014/main" id="{44B1AD20-495A-40F7-B358-47792B3BB350}"/>
+                <a16:creationId xmlns:a16="http://schemas.microsoft.com/office/drawing/2014/main" xmlns="" id="{44B1AD20-495A-40F7-B358-47792B3BB350}"/>
               </a:ext>
             </a:extLst>
           </p:cNvPr>
@@ -1173,7 +1173,7 @@
           <p:cNvPr id="6" name="Tijdelijke aanduiding voor dianummer 5">
             <a:extLst>
               <a:ext uri="{FF2B5EF4-FFF2-40B4-BE49-F238E27FC236}">
-                <a16:creationId xmlns:a16="http://schemas.microsoft.com/office/drawing/2014/main" id="{489DD46A-C6A9-480B-8C2B-92DDA3B1C036}"/>
+                <a16:creationId xmlns:a16="http://schemas.microsoft.com/office/drawing/2014/main" xmlns="" id="{489DD46A-C6A9-480B-8C2B-92DDA3B1C036}"/>
               </a:ext>
             </a:extLst>
           </p:cNvPr>
@@ -1232,7 +1232,7 @@
           <p:cNvPr id="2" name="Titel 1">
             <a:extLst>
               <a:ext uri="{FF2B5EF4-FFF2-40B4-BE49-F238E27FC236}">
-                <a16:creationId xmlns:a16="http://schemas.microsoft.com/office/drawing/2014/main" id="{94183BBA-B062-4E22-9BA3-37B4EF11FDF8}"/>
+                <a16:creationId xmlns:a16="http://schemas.microsoft.com/office/drawing/2014/main" xmlns="" id="{94183BBA-B062-4E22-9BA3-37B4EF11FDF8}"/>
               </a:ext>
             </a:extLst>
           </p:cNvPr>
@@ -1260,7 +1260,7 @@
           <p:cNvPr id="3" name="Tijdelijke aanduiding voor inhoud 2">
             <a:extLst>
               <a:ext uri="{FF2B5EF4-FFF2-40B4-BE49-F238E27FC236}">
-                <a16:creationId xmlns:a16="http://schemas.microsoft.com/office/drawing/2014/main" id="{1D76AAB6-C2A3-4303-86B8-F4D03161E073}"/>
+                <a16:creationId xmlns:a16="http://schemas.microsoft.com/office/drawing/2014/main" xmlns="" id="{1D76AAB6-C2A3-4303-86B8-F4D03161E073}"/>
               </a:ext>
             </a:extLst>
           </p:cNvPr>
@@ -1322,7 +1322,7 @@
           <p:cNvPr id="4" name="Tijdelijke aanduiding voor inhoud 3">
             <a:extLst>
               <a:ext uri="{FF2B5EF4-FFF2-40B4-BE49-F238E27FC236}">
-                <a16:creationId xmlns:a16="http://schemas.microsoft.com/office/drawing/2014/main" id="{BFB07AA4-303F-4BB4-9FDC-567A65ABD279}"/>
+                <a16:creationId xmlns:a16="http://schemas.microsoft.com/office/drawing/2014/main" xmlns="" id="{BFB07AA4-303F-4BB4-9FDC-567A65ABD279}"/>
               </a:ext>
             </a:extLst>
           </p:cNvPr>
@@ -1384,7 +1384,7 @@
           <p:cNvPr id="5" name="Tijdelijke aanduiding voor datum 4">
             <a:extLst>
               <a:ext uri="{FF2B5EF4-FFF2-40B4-BE49-F238E27FC236}">
-                <a16:creationId xmlns:a16="http://schemas.microsoft.com/office/drawing/2014/main" id="{CB01BD8E-60A8-458F-A2C6-7F9FC1E0B8A2}"/>
+                <a16:creationId xmlns:a16="http://schemas.microsoft.com/office/drawing/2014/main" xmlns="" id="{CB01BD8E-60A8-458F-A2C6-7F9FC1E0B8A2}"/>
               </a:ext>
             </a:extLst>
           </p:cNvPr>
@@ -1413,7 +1413,7 @@
           <p:cNvPr id="6" name="Tijdelijke aanduiding voor voettekst 5">
             <a:extLst>
               <a:ext uri="{FF2B5EF4-FFF2-40B4-BE49-F238E27FC236}">
-                <a16:creationId xmlns:a16="http://schemas.microsoft.com/office/drawing/2014/main" id="{5905CF43-6B0D-4DF1-AD02-3AEB04FEA6B9}"/>
+                <a16:creationId xmlns:a16="http://schemas.microsoft.com/office/drawing/2014/main" xmlns="" id="{5905CF43-6B0D-4DF1-AD02-3AEB04FEA6B9}"/>
               </a:ext>
             </a:extLst>
           </p:cNvPr>
@@ -1438,7 +1438,7 @@
           <p:cNvPr id="7" name="Tijdelijke aanduiding voor dianummer 6">
             <a:extLst>
               <a:ext uri="{FF2B5EF4-FFF2-40B4-BE49-F238E27FC236}">
-                <a16:creationId xmlns:a16="http://schemas.microsoft.com/office/drawing/2014/main" id="{17B8D3BA-FDFC-418A-8BC7-30089F5D5B2F}"/>
+                <a16:creationId xmlns:a16="http://schemas.microsoft.com/office/drawing/2014/main" xmlns="" id="{17B8D3BA-FDFC-418A-8BC7-30089F5D5B2F}"/>
               </a:ext>
             </a:extLst>
           </p:cNvPr>
@@ -1497,7 +1497,7 @@
           <p:cNvPr id="2" name="Titel 1">
             <a:extLst>
               <a:ext uri="{FF2B5EF4-FFF2-40B4-BE49-F238E27FC236}">
-                <a16:creationId xmlns:a16="http://schemas.microsoft.com/office/drawing/2014/main" id="{0771F215-C335-43FD-A0A7-2B019F39770D}"/>
+                <a16:creationId xmlns:a16="http://schemas.microsoft.com/office/drawing/2014/main" xmlns="" id="{0771F215-C335-43FD-A0A7-2B019F39770D}"/>
               </a:ext>
             </a:extLst>
           </p:cNvPr>
@@ -1530,7 +1530,7 @@
           <p:cNvPr id="3" name="Tijdelijke aanduiding voor tekst 2">
             <a:extLst>
               <a:ext uri="{FF2B5EF4-FFF2-40B4-BE49-F238E27FC236}">
-                <a16:creationId xmlns:a16="http://schemas.microsoft.com/office/drawing/2014/main" id="{21691818-180E-45D2-8E0C-E12A4EBA5530}"/>
+                <a16:creationId xmlns:a16="http://schemas.microsoft.com/office/drawing/2014/main" xmlns="" id="{21691818-180E-45D2-8E0C-E12A4EBA5530}"/>
               </a:ext>
             </a:extLst>
           </p:cNvPr>
@@ -1601,7 +1601,7 @@
           <p:cNvPr id="4" name="Tijdelijke aanduiding voor inhoud 3">
             <a:extLst>
               <a:ext uri="{FF2B5EF4-FFF2-40B4-BE49-F238E27FC236}">
-                <a16:creationId xmlns:a16="http://schemas.microsoft.com/office/drawing/2014/main" id="{78E5FA73-FDBC-4FEF-9365-EBC6B95DC318}"/>
+                <a16:creationId xmlns:a16="http://schemas.microsoft.com/office/drawing/2014/main" xmlns="" id="{78E5FA73-FDBC-4FEF-9365-EBC6B95DC318}"/>
               </a:ext>
             </a:extLst>
           </p:cNvPr>
@@ -1663,7 +1663,7 @@
           <p:cNvPr id="5" name="Tijdelijke aanduiding voor tekst 4">
             <a:extLst>
               <a:ext uri="{FF2B5EF4-FFF2-40B4-BE49-F238E27FC236}">
-                <a16:creationId xmlns:a16="http://schemas.microsoft.com/office/drawing/2014/main" id="{A8F38541-DDCA-4CF7-886E-2E1F4A1D2CE7}"/>
+                <a16:creationId xmlns:a16="http://schemas.microsoft.com/office/drawing/2014/main" xmlns="" id="{A8F38541-DDCA-4CF7-886E-2E1F4A1D2CE7}"/>
               </a:ext>
             </a:extLst>
           </p:cNvPr>
@@ -1734,7 +1734,7 @@
           <p:cNvPr id="6" name="Tijdelijke aanduiding voor inhoud 5">
             <a:extLst>
               <a:ext uri="{FF2B5EF4-FFF2-40B4-BE49-F238E27FC236}">
-                <a16:creationId xmlns:a16="http://schemas.microsoft.com/office/drawing/2014/main" id="{D0CCD1A8-FD18-4D73-BC19-1260747F4DB3}"/>
+                <a16:creationId xmlns:a16="http://schemas.microsoft.com/office/drawing/2014/main" xmlns="" id="{D0CCD1A8-FD18-4D73-BC19-1260747F4DB3}"/>
               </a:ext>
             </a:extLst>
           </p:cNvPr>
@@ -1796,7 +1796,7 @@
           <p:cNvPr id="7" name="Tijdelijke aanduiding voor datum 6">
             <a:extLst>
               <a:ext uri="{FF2B5EF4-FFF2-40B4-BE49-F238E27FC236}">
-                <a16:creationId xmlns:a16="http://schemas.microsoft.com/office/drawing/2014/main" id="{AD0D4126-81C3-4A7A-9506-D5ABC86EBA02}"/>
+                <a16:creationId xmlns:a16="http://schemas.microsoft.com/office/drawing/2014/main" xmlns="" id="{AD0D4126-81C3-4A7A-9506-D5ABC86EBA02}"/>
               </a:ext>
             </a:extLst>
           </p:cNvPr>
@@ -1825,7 +1825,7 @@
           <p:cNvPr id="8" name="Tijdelijke aanduiding voor voettekst 7">
             <a:extLst>
               <a:ext uri="{FF2B5EF4-FFF2-40B4-BE49-F238E27FC236}">
-                <a16:creationId xmlns:a16="http://schemas.microsoft.com/office/drawing/2014/main" id="{B41DFD9A-13DE-47A9-9E44-2F46DDC34500}"/>
+                <a16:creationId xmlns:a16="http://schemas.microsoft.com/office/drawing/2014/main" xmlns="" id="{B41DFD9A-13DE-47A9-9E44-2F46DDC34500}"/>
               </a:ext>
             </a:extLst>
           </p:cNvPr>
@@ -1850,7 +1850,7 @@
           <p:cNvPr id="9" name="Tijdelijke aanduiding voor dianummer 8">
             <a:extLst>
               <a:ext uri="{FF2B5EF4-FFF2-40B4-BE49-F238E27FC236}">
-                <a16:creationId xmlns:a16="http://schemas.microsoft.com/office/drawing/2014/main" id="{F590B95F-E142-4B6A-937D-6E8BADE32B68}"/>
+                <a16:creationId xmlns:a16="http://schemas.microsoft.com/office/drawing/2014/main" xmlns="" id="{F590B95F-E142-4B6A-937D-6E8BADE32B68}"/>
               </a:ext>
             </a:extLst>
           </p:cNvPr>
@@ -1909,7 +1909,7 @@
           <p:cNvPr id="2" name="Titel 1">
             <a:extLst>
               <a:ext uri="{FF2B5EF4-FFF2-40B4-BE49-F238E27FC236}">
-                <a16:creationId xmlns:a16="http://schemas.microsoft.com/office/drawing/2014/main" id="{CE26A4A1-4A4D-4E20-BB77-3BE0B893F879}"/>
+                <a16:creationId xmlns:a16="http://schemas.microsoft.com/office/drawing/2014/main" xmlns="" id="{CE26A4A1-4A4D-4E20-BB77-3BE0B893F879}"/>
               </a:ext>
             </a:extLst>
           </p:cNvPr>
@@ -1937,7 +1937,7 @@
           <p:cNvPr id="3" name="Tijdelijke aanduiding voor datum 2">
             <a:extLst>
               <a:ext uri="{FF2B5EF4-FFF2-40B4-BE49-F238E27FC236}">
-                <a16:creationId xmlns:a16="http://schemas.microsoft.com/office/drawing/2014/main" id="{D0443AFA-A7A8-4B85-9867-604B36E75C1F}"/>
+                <a16:creationId xmlns:a16="http://schemas.microsoft.com/office/drawing/2014/main" xmlns="" id="{D0443AFA-A7A8-4B85-9867-604B36E75C1F}"/>
               </a:ext>
             </a:extLst>
           </p:cNvPr>
@@ -1966,7 +1966,7 @@
           <p:cNvPr id="4" name="Tijdelijke aanduiding voor voettekst 3">
             <a:extLst>
               <a:ext uri="{FF2B5EF4-FFF2-40B4-BE49-F238E27FC236}">
-                <a16:creationId xmlns:a16="http://schemas.microsoft.com/office/drawing/2014/main" id="{EDE4F398-DCC0-4FFD-A1E4-6714F8292CA3}"/>
+                <a16:creationId xmlns:a16="http://schemas.microsoft.com/office/drawing/2014/main" xmlns="" id="{EDE4F398-DCC0-4FFD-A1E4-6714F8292CA3}"/>
               </a:ext>
             </a:extLst>
           </p:cNvPr>
@@ -1991,7 +1991,7 @@
           <p:cNvPr id="5" name="Tijdelijke aanduiding voor dianummer 4">
             <a:extLst>
               <a:ext uri="{FF2B5EF4-FFF2-40B4-BE49-F238E27FC236}">
-                <a16:creationId xmlns:a16="http://schemas.microsoft.com/office/drawing/2014/main" id="{531A8941-E965-4DB1-A721-8ADC6B4B4CDE}"/>
+                <a16:creationId xmlns:a16="http://schemas.microsoft.com/office/drawing/2014/main" xmlns="" id="{531A8941-E965-4DB1-A721-8ADC6B4B4CDE}"/>
               </a:ext>
             </a:extLst>
           </p:cNvPr>
@@ -2050,7 +2050,7 @@
           <p:cNvPr id="2" name="Tijdelijke aanduiding voor datum 1">
             <a:extLst>
               <a:ext uri="{FF2B5EF4-FFF2-40B4-BE49-F238E27FC236}">
-                <a16:creationId xmlns:a16="http://schemas.microsoft.com/office/drawing/2014/main" id="{0A413BB8-74C5-41D7-9F5B-0F6AC05D3FCB}"/>
+                <a16:creationId xmlns:a16="http://schemas.microsoft.com/office/drawing/2014/main" xmlns="" id="{0A413BB8-74C5-41D7-9F5B-0F6AC05D3FCB}"/>
               </a:ext>
             </a:extLst>
           </p:cNvPr>
@@ -2079,7 +2079,7 @@
           <p:cNvPr id="3" name="Tijdelijke aanduiding voor voettekst 2">
             <a:extLst>
               <a:ext uri="{FF2B5EF4-FFF2-40B4-BE49-F238E27FC236}">
-                <a16:creationId xmlns:a16="http://schemas.microsoft.com/office/drawing/2014/main" id="{CB9A4233-3DA4-4818-AC09-9BE36417A272}"/>
+                <a16:creationId xmlns:a16="http://schemas.microsoft.com/office/drawing/2014/main" xmlns="" id="{CB9A4233-3DA4-4818-AC09-9BE36417A272}"/>
               </a:ext>
             </a:extLst>
           </p:cNvPr>
@@ -2104,7 +2104,7 @@
           <p:cNvPr id="4" name="Tijdelijke aanduiding voor dianummer 3">
             <a:extLst>
               <a:ext uri="{FF2B5EF4-FFF2-40B4-BE49-F238E27FC236}">
-                <a16:creationId xmlns:a16="http://schemas.microsoft.com/office/drawing/2014/main" id="{F9D44557-7BE8-4F87-ADBF-CE09060EAD91}"/>
+                <a16:creationId xmlns:a16="http://schemas.microsoft.com/office/drawing/2014/main" xmlns="" id="{F9D44557-7BE8-4F87-ADBF-CE09060EAD91}"/>
               </a:ext>
             </a:extLst>
           </p:cNvPr>
@@ -2163,7 +2163,7 @@
           <p:cNvPr id="2" name="Titel 1">
             <a:extLst>
               <a:ext uri="{FF2B5EF4-FFF2-40B4-BE49-F238E27FC236}">
-                <a16:creationId xmlns:a16="http://schemas.microsoft.com/office/drawing/2014/main" id="{A84D4E35-5665-45E5-818C-862E55C073FF}"/>
+                <a16:creationId xmlns:a16="http://schemas.microsoft.com/office/drawing/2014/main" xmlns="" id="{A84D4E35-5665-45E5-818C-862E55C073FF}"/>
               </a:ext>
             </a:extLst>
           </p:cNvPr>
@@ -2200,7 +2200,7 @@
           <p:cNvPr id="3" name="Tijdelijke aanduiding voor inhoud 2">
             <a:extLst>
               <a:ext uri="{FF2B5EF4-FFF2-40B4-BE49-F238E27FC236}">
-                <a16:creationId xmlns:a16="http://schemas.microsoft.com/office/drawing/2014/main" id="{88247E3B-D375-4CF0-B728-1D806F02666D}"/>
+                <a16:creationId xmlns:a16="http://schemas.microsoft.com/office/drawing/2014/main" xmlns="" id="{88247E3B-D375-4CF0-B728-1D806F02666D}"/>
               </a:ext>
             </a:extLst>
           </p:cNvPr>
@@ -2290,7 +2290,7 @@
           <p:cNvPr id="4" name="Tijdelijke aanduiding voor tekst 3">
             <a:extLst>
               <a:ext uri="{FF2B5EF4-FFF2-40B4-BE49-F238E27FC236}">
-                <a16:creationId xmlns:a16="http://schemas.microsoft.com/office/drawing/2014/main" id="{376D1B02-0BDA-4D82-B722-6755FC06F635}"/>
+                <a16:creationId xmlns:a16="http://schemas.microsoft.com/office/drawing/2014/main" xmlns="" id="{376D1B02-0BDA-4D82-B722-6755FC06F635}"/>
               </a:ext>
             </a:extLst>
           </p:cNvPr>
@@ -2361,7 +2361,7 @@
           <p:cNvPr id="5" name="Tijdelijke aanduiding voor datum 4">
             <a:extLst>
               <a:ext uri="{FF2B5EF4-FFF2-40B4-BE49-F238E27FC236}">
-                <a16:creationId xmlns:a16="http://schemas.microsoft.com/office/drawing/2014/main" id="{53E8FB10-F755-442B-A74F-762BE0B67A94}"/>
+                <a16:creationId xmlns:a16="http://schemas.microsoft.com/office/drawing/2014/main" xmlns="" id="{53E8FB10-F755-442B-A74F-762BE0B67A94}"/>
               </a:ext>
             </a:extLst>
           </p:cNvPr>
@@ -2390,7 +2390,7 @@
           <p:cNvPr id="6" name="Tijdelijke aanduiding voor voettekst 5">
             <a:extLst>
               <a:ext uri="{FF2B5EF4-FFF2-40B4-BE49-F238E27FC236}">
-                <a16:creationId xmlns:a16="http://schemas.microsoft.com/office/drawing/2014/main" id="{E43737AF-7E57-4447-98DF-D9BBD3ACA95D}"/>
+                <a16:creationId xmlns:a16="http://schemas.microsoft.com/office/drawing/2014/main" xmlns="" id="{E43737AF-7E57-4447-98DF-D9BBD3ACA95D}"/>
               </a:ext>
             </a:extLst>
           </p:cNvPr>
@@ -2415,7 +2415,7 @@
           <p:cNvPr id="7" name="Tijdelijke aanduiding voor dianummer 6">
             <a:extLst>
               <a:ext uri="{FF2B5EF4-FFF2-40B4-BE49-F238E27FC236}">
-                <a16:creationId xmlns:a16="http://schemas.microsoft.com/office/drawing/2014/main" id="{891ACF90-8F23-4902-80CD-182C0543F181}"/>
+                <a16:creationId xmlns:a16="http://schemas.microsoft.com/office/drawing/2014/main" xmlns="" id="{891ACF90-8F23-4902-80CD-182C0543F181}"/>
               </a:ext>
             </a:extLst>
           </p:cNvPr>
@@ -2474,7 +2474,7 @@
           <p:cNvPr id="2" name="Titel 1">
             <a:extLst>
               <a:ext uri="{FF2B5EF4-FFF2-40B4-BE49-F238E27FC236}">
-                <a16:creationId xmlns:a16="http://schemas.microsoft.com/office/drawing/2014/main" id="{EBF5FA97-86EE-4BBD-B489-F46A5A06E479}"/>
+                <a16:creationId xmlns:a16="http://schemas.microsoft.com/office/drawing/2014/main" xmlns="" id="{EBF5FA97-86EE-4BBD-B489-F46A5A06E479}"/>
               </a:ext>
             </a:extLst>
           </p:cNvPr>
@@ -2511,7 +2511,7 @@
           <p:cNvPr id="3" name="Tijdelijke aanduiding voor afbeelding 2">
             <a:extLst>
               <a:ext uri="{FF2B5EF4-FFF2-40B4-BE49-F238E27FC236}">
-                <a16:creationId xmlns:a16="http://schemas.microsoft.com/office/drawing/2014/main" id="{F169A763-4DC9-4923-838B-D7FCFC17F95B}"/>
+                <a16:creationId xmlns:a16="http://schemas.microsoft.com/office/drawing/2014/main" xmlns="" id="{F169A763-4DC9-4923-838B-D7FCFC17F95B}"/>
               </a:ext>
             </a:extLst>
           </p:cNvPr>
@@ -2578,7 +2578,7 @@
           <p:cNvPr id="4" name="Tijdelijke aanduiding voor tekst 3">
             <a:extLst>
               <a:ext uri="{FF2B5EF4-FFF2-40B4-BE49-F238E27FC236}">
-                <a16:creationId xmlns:a16="http://schemas.microsoft.com/office/drawing/2014/main" id="{D415561B-FB6B-4F8A-9527-A1339576E03C}"/>
+                <a16:creationId xmlns:a16="http://schemas.microsoft.com/office/drawing/2014/main" xmlns="" id="{D415561B-FB6B-4F8A-9527-A1339576E03C}"/>
               </a:ext>
             </a:extLst>
           </p:cNvPr>
@@ -2649,7 +2649,7 @@
           <p:cNvPr id="5" name="Tijdelijke aanduiding voor datum 4">
             <a:extLst>
               <a:ext uri="{FF2B5EF4-FFF2-40B4-BE49-F238E27FC236}">
-                <a16:creationId xmlns:a16="http://schemas.microsoft.com/office/drawing/2014/main" id="{894B1B3A-71FE-449B-A92C-62F47A4C620B}"/>
+                <a16:creationId xmlns:a16="http://schemas.microsoft.com/office/drawing/2014/main" xmlns="" id="{894B1B3A-71FE-449B-A92C-62F47A4C620B}"/>
               </a:ext>
             </a:extLst>
           </p:cNvPr>
@@ -2678,7 +2678,7 @@
           <p:cNvPr id="6" name="Tijdelijke aanduiding voor voettekst 5">
             <a:extLst>
               <a:ext uri="{FF2B5EF4-FFF2-40B4-BE49-F238E27FC236}">
-                <a16:creationId xmlns:a16="http://schemas.microsoft.com/office/drawing/2014/main" id="{5105F8F4-FB64-4914-AA8D-ACC316A48E76}"/>
+                <a16:creationId xmlns:a16="http://schemas.microsoft.com/office/drawing/2014/main" xmlns="" id="{5105F8F4-FB64-4914-AA8D-ACC316A48E76}"/>
               </a:ext>
             </a:extLst>
           </p:cNvPr>
@@ -2703,7 +2703,7 @@
           <p:cNvPr id="7" name="Tijdelijke aanduiding voor dianummer 6">
             <a:extLst>
               <a:ext uri="{FF2B5EF4-FFF2-40B4-BE49-F238E27FC236}">
-                <a16:creationId xmlns:a16="http://schemas.microsoft.com/office/drawing/2014/main" id="{BB0295B3-E37B-4A28-B56A-5A41AB4BAF62}"/>
+                <a16:creationId xmlns:a16="http://schemas.microsoft.com/office/drawing/2014/main" xmlns="" id="{BB0295B3-E37B-4A28-B56A-5A41AB4BAF62}"/>
               </a:ext>
             </a:extLst>
           </p:cNvPr>
@@ -2767,7 +2767,7 @@
           <p:cNvPr id="2" name="Tijdelijke aanduiding voor titel 1">
             <a:extLst>
               <a:ext uri="{FF2B5EF4-FFF2-40B4-BE49-F238E27FC236}">
-                <a16:creationId xmlns:a16="http://schemas.microsoft.com/office/drawing/2014/main" id="{F4E18EAA-20B7-4F8A-8B66-7ED1D02A6C40}"/>
+                <a16:creationId xmlns:a16="http://schemas.microsoft.com/office/drawing/2014/main" xmlns="" id="{F4E18EAA-20B7-4F8A-8B66-7ED1D02A6C40}"/>
               </a:ext>
             </a:extLst>
           </p:cNvPr>
@@ -2805,7 +2805,7 @@
           <p:cNvPr id="3" name="Tijdelijke aanduiding voor tekst 2">
             <a:extLst>
               <a:ext uri="{FF2B5EF4-FFF2-40B4-BE49-F238E27FC236}">
-                <a16:creationId xmlns:a16="http://schemas.microsoft.com/office/drawing/2014/main" id="{5D736BF3-A6A1-4026-8253-D945CAE18325}"/>
+                <a16:creationId xmlns:a16="http://schemas.microsoft.com/office/drawing/2014/main" xmlns="" id="{5D736BF3-A6A1-4026-8253-D945CAE18325}"/>
               </a:ext>
             </a:extLst>
           </p:cNvPr>
@@ -2872,7 +2872,7 @@
           <p:cNvPr id="4" name="Tijdelijke aanduiding voor datum 3">
             <a:extLst>
               <a:ext uri="{FF2B5EF4-FFF2-40B4-BE49-F238E27FC236}">
-                <a16:creationId xmlns:a16="http://schemas.microsoft.com/office/drawing/2014/main" id="{5466222D-8A03-4524-97CC-5ED89011F856}"/>
+                <a16:creationId xmlns:a16="http://schemas.microsoft.com/office/drawing/2014/main" xmlns="" id="{5466222D-8A03-4524-97CC-5ED89011F856}"/>
               </a:ext>
             </a:extLst>
           </p:cNvPr>
@@ -2919,7 +2919,7 @@
           <p:cNvPr id="5" name="Tijdelijke aanduiding voor voettekst 4">
             <a:extLst>
               <a:ext uri="{FF2B5EF4-FFF2-40B4-BE49-F238E27FC236}">
-                <a16:creationId xmlns:a16="http://schemas.microsoft.com/office/drawing/2014/main" id="{97CB6107-7B18-4252-A2AF-353A2C2450B6}"/>
+                <a16:creationId xmlns:a16="http://schemas.microsoft.com/office/drawing/2014/main" xmlns="" id="{97CB6107-7B18-4252-A2AF-353A2C2450B6}"/>
               </a:ext>
             </a:extLst>
           </p:cNvPr>
@@ -2962,7 +2962,7 @@
           <p:cNvPr id="6" name="Tijdelijke aanduiding voor dianummer 5">
             <a:extLst>
               <a:ext uri="{FF2B5EF4-FFF2-40B4-BE49-F238E27FC236}">
-                <a16:creationId xmlns:a16="http://schemas.microsoft.com/office/drawing/2014/main" id="{4A21C69A-6A09-4D00-B1C6-3EDC7EB6E562}"/>
+                <a16:creationId xmlns:a16="http://schemas.microsoft.com/office/drawing/2014/main" xmlns="" id="{4A21C69A-6A09-4D00-B1C6-3EDC7EB6E562}"/>
               </a:ext>
             </a:extLst>
           </p:cNvPr>
@@ -3330,7 +3330,7 @@
           <p:cNvPr id="2" name="Titel 1">
             <a:extLst>
               <a:ext uri="{FF2B5EF4-FFF2-40B4-BE49-F238E27FC236}">
-                <a16:creationId xmlns:a16="http://schemas.microsoft.com/office/drawing/2014/main" id="{EB80FA25-B406-4A4F-928D-4B3EF286CE85}"/>
+                <a16:creationId xmlns:a16="http://schemas.microsoft.com/office/drawing/2014/main" xmlns="" id="{EB80FA25-B406-4A4F-928D-4B3EF286CE85}"/>
               </a:ext>
             </a:extLst>
           </p:cNvPr>
@@ -3355,7 +3355,7 @@
           <p:cNvPr id="3" name="Tijdelijke aanduiding voor inhoud 2">
             <a:extLst>
               <a:ext uri="{FF2B5EF4-FFF2-40B4-BE49-F238E27FC236}">
-                <a16:creationId xmlns:a16="http://schemas.microsoft.com/office/drawing/2014/main" id="{C75B68EE-E4DF-40ED-8630-765232D9B98E}"/>
+                <a16:creationId xmlns:a16="http://schemas.microsoft.com/office/drawing/2014/main" xmlns="" id="{C75B68EE-E4DF-40ED-8630-765232D9B98E}"/>
               </a:ext>
             </a:extLst>
           </p:cNvPr>
@@ -3380,7 +3380,7 @@
           <p:cNvPr id="4" name="Afbeelding 3">
             <a:extLst>
               <a:ext uri="{FF2B5EF4-FFF2-40B4-BE49-F238E27FC236}">
-                <a16:creationId xmlns:a16="http://schemas.microsoft.com/office/drawing/2014/main" id="{045B6713-5081-41A1-AED0-6B84EEB23C3E}"/>
+                <a16:creationId xmlns:a16="http://schemas.microsoft.com/office/drawing/2014/main" xmlns="" id="{045B6713-5081-41A1-AED0-6B84EEB23C3E}"/>
               </a:ext>
             </a:extLst>
           </p:cNvPr>
@@ -3397,7 +3397,7 @@
         </p:blipFill>
         <p:spPr>
           <a:xfrm>
-            <a:off x="1192683" y="94490"/>
+            <a:off x="1038137" y="931617"/>
             <a:ext cx="9806634" cy="6669019"/>
           </a:xfrm>
           <a:prstGeom prst="rect">
@@ -3440,7 +3440,7 @@
           <p:cNvPr id="2" name="Titel 1">
             <a:extLst>
               <a:ext uri="{FF2B5EF4-FFF2-40B4-BE49-F238E27FC236}">
-                <a16:creationId xmlns:a16="http://schemas.microsoft.com/office/drawing/2014/main" id="{E85B20CA-2A96-4000-9EA6-61B087C4B463}"/>
+                <a16:creationId xmlns:a16="http://schemas.microsoft.com/office/drawing/2014/main" xmlns="" id="{E85B20CA-2A96-4000-9EA6-61B087C4B463}"/>
               </a:ext>
             </a:extLst>
           </p:cNvPr>
@@ -3465,7 +3465,7 @@
           <p:cNvPr id="3" name="Tijdelijke aanduiding voor inhoud 2">
             <a:extLst>
               <a:ext uri="{FF2B5EF4-FFF2-40B4-BE49-F238E27FC236}">
-                <a16:creationId xmlns:a16="http://schemas.microsoft.com/office/drawing/2014/main" id="{01530178-39A6-47CF-9CB9-F44D5DDB3007}"/>
+                <a16:creationId xmlns:a16="http://schemas.microsoft.com/office/drawing/2014/main" xmlns="" id="{01530178-39A6-47CF-9CB9-F44D5DDB3007}"/>
               </a:ext>
             </a:extLst>
           </p:cNvPr>
@@ -3490,7 +3490,7 @@
           <p:cNvPr id="4" name="Afbeelding 3">
             <a:extLst>
               <a:ext uri="{FF2B5EF4-FFF2-40B4-BE49-F238E27FC236}">
-                <a16:creationId xmlns:a16="http://schemas.microsoft.com/office/drawing/2014/main" id="{40E9C709-D995-44F3-8932-A5774DE024AC}"/>
+                <a16:creationId xmlns:a16="http://schemas.microsoft.com/office/drawing/2014/main" xmlns="" id="{40E9C709-D995-44F3-8932-A5774DE024AC}"/>
               </a:ext>
             </a:extLst>
           </p:cNvPr>
@@ -3550,7 +3550,7 @@
           <p:cNvPr id="2" name="Titel 1">
             <a:extLst>
               <a:ext uri="{FF2B5EF4-FFF2-40B4-BE49-F238E27FC236}">
-                <a16:creationId xmlns:a16="http://schemas.microsoft.com/office/drawing/2014/main" id="{A82F794A-9038-4249-A054-377F17CDDC68}"/>
+                <a16:creationId xmlns:a16="http://schemas.microsoft.com/office/drawing/2014/main" xmlns="" id="{A82F794A-9038-4249-A054-377F17CDDC68}"/>
               </a:ext>
             </a:extLst>
           </p:cNvPr>
@@ -3575,7 +3575,7 @@
           <p:cNvPr id="3" name="Tijdelijke aanduiding voor inhoud 2">
             <a:extLst>
               <a:ext uri="{FF2B5EF4-FFF2-40B4-BE49-F238E27FC236}">
-                <a16:creationId xmlns:a16="http://schemas.microsoft.com/office/drawing/2014/main" id="{CD3771FC-CBA7-4575-9DD3-92EC3024A2FE}"/>
+                <a16:creationId xmlns:a16="http://schemas.microsoft.com/office/drawing/2014/main" xmlns="" id="{CD3771FC-CBA7-4575-9DD3-92EC3024A2FE}"/>
               </a:ext>
             </a:extLst>
           </p:cNvPr>
@@ -3609,7 +3609,7 @@
           <p:cNvPr id="6" name="Afbeelding 5">
             <a:extLst>
               <a:ext uri="{FF2B5EF4-FFF2-40B4-BE49-F238E27FC236}">
-                <a16:creationId xmlns:a16="http://schemas.microsoft.com/office/drawing/2014/main" id="{2F1F9F2E-24CB-4352-B6F4-14EFE5CCBFB6}"/>
+                <a16:creationId xmlns:a16="http://schemas.microsoft.com/office/drawing/2014/main" xmlns="" id="{2F1F9F2E-24CB-4352-B6F4-14EFE5CCBFB6}"/>
               </a:ext>
             </a:extLst>
           </p:cNvPr>
@@ -3639,7 +3639,7 @@
           <p:cNvPr id="7" name="Afbeelding 6">
             <a:extLst>
               <a:ext uri="{FF2B5EF4-FFF2-40B4-BE49-F238E27FC236}">
-                <a16:creationId xmlns:a16="http://schemas.microsoft.com/office/drawing/2014/main" id="{834E3BEC-54B8-4D0A-9405-24048890D538}"/>
+                <a16:creationId xmlns:a16="http://schemas.microsoft.com/office/drawing/2014/main" xmlns="" id="{834E3BEC-54B8-4D0A-9405-24048890D538}"/>
               </a:ext>
             </a:extLst>
           </p:cNvPr>
@@ -3669,7 +3669,7 @@
           <p:cNvPr id="8" name="Ovaal 7">
             <a:extLst>
               <a:ext uri="{FF2B5EF4-FFF2-40B4-BE49-F238E27FC236}">
-                <a16:creationId xmlns:a16="http://schemas.microsoft.com/office/drawing/2014/main" id="{6419D335-DA69-496B-8492-BD6580A7D845}"/>
+                <a16:creationId xmlns:a16="http://schemas.microsoft.com/office/drawing/2014/main" xmlns="" id="{6419D335-DA69-496B-8492-BD6580A7D845}"/>
               </a:ext>
             </a:extLst>
           </p:cNvPr>
@@ -3727,7 +3727,7 @@
           <p:cNvPr id="12" name="Ovaal 11">
             <a:extLst>
               <a:ext uri="{FF2B5EF4-FFF2-40B4-BE49-F238E27FC236}">
-                <a16:creationId xmlns:a16="http://schemas.microsoft.com/office/drawing/2014/main" id="{1DAFB8D7-3A38-4393-A122-FC6AA394D847}"/>
+                <a16:creationId xmlns:a16="http://schemas.microsoft.com/office/drawing/2014/main" xmlns="" id="{1DAFB8D7-3A38-4393-A122-FC6AA394D847}"/>
               </a:ext>
             </a:extLst>
           </p:cNvPr>
@@ -3785,7 +3785,7 @@
           <p:cNvPr id="13" name="Ovaal 12">
             <a:extLst>
               <a:ext uri="{FF2B5EF4-FFF2-40B4-BE49-F238E27FC236}">
-                <a16:creationId xmlns:a16="http://schemas.microsoft.com/office/drawing/2014/main" id="{1529D0B9-49AA-497A-B759-DD869E9E0970}"/>
+                <a16:creationId xmlns:a16="http://schemas.microsoft.com/office/drawing/2014/main" xmlns="" id="{1529D0B9-49AA-497A-B759-DD869E9E0970}"/>
               </a:ext>
             </a:extLst>
           </p:cNvPr>
@@ -3843,7 +3843,7 @@
           <p:cNvPr id="14" name="Ovaal 13">
             <a:extLst>
               <a:ext uri="{FF2B5EF4-FFF2-40B4-BE49-F238E27FC236}">
-                <a16:creationId xmlns:a16="http://schemas.microsoft.com/office/drawing/2014/main" id="{E3EEB6F5-7AEB-4637-89AA-E216D7C9D382}"/>
+                <a16:creationId xmlns:a16="http://schemas.microsoft.com/office/drawing/2014/main" xmlns="" id="{E3EEB6F5-7AEB-4637-89AA-E216D7C9D382}"/>
               </a:ext>
             </a:extLst>
           </p:cNvPr>
@@ -3901,7 +3901,7 @@
           <p:cNvPr id="15" name="Ovaal 14">
             <a:extLst>
               <a:ext uri="{FF2B5EF4-FFF2-40B4-BE49-F238E27FC236}">
-                <a16:creationId xmlns:a16="http://schemas.microsoft.com/office/drawing/2014/main" id="{B960B6D2-69EA-45F1-BFE2-066951A43E67}"/>
+                <a16:creationId xmlns:a16="http://schemas.microsoft.com/office/drawing/2014/main" xmlns="" id="{B960B6D2-69EA-45F1-BFE2-066951A43E67}"/>
               </a:ext>
             </a:extLst>
           </p:cNvPr>
@@ -3959,7 +3959,7 @@
           <p:cNvPr id="16" name="Ovaal 15">
             <a:extLst>
               <a:ext uri="{FF2B5EF4-FFF2-40B4-BE49-F238E27FC236}">
-                <a16:creationId xmlns:a16="http://schemas.microsoft.com/office/drawing/2014/main" id="{D9279F98-D7DD-47C8-92C9-4917F832C63E}"/>
+                <a16:creationId xmlns:a16="http://schemas.microsoft.com/office/drawing/2014/main" xmlns="" id="{D9279F98-D7DD-47C8-92C9-4917F832C63E}"/>
               </a:ext>
             </a:extLst>
           </p:cNvPr>
@@ -4017,7 +4017,7 @@
           <p:cNvPr id="18" name="Ovaal 17">
             <a:extLst>
               <a:ext uri="{FF2B5EF4-FFF2-40B4-BE49-F238E27FC236}">
-                <a16:creationId xmlns:a16="http://schemas.microsoft.com/office/drawing/2014/main" id="{0898720A-A35E-4086-99C3-A2CE80DC43D7}"/>
+                <a16:creationId xmlns:a16="http://schemas.microsoft.com/office/drawing/2014/main" xmlns="" id="{0898720A-A35E-4086-99C3-A2CE80DC43D7}"/>
               </a:ext>
             </a:extLst>
           </p:cNvPr>
@@ -4075,7 +4075,7 @@
           <p:cNvPr id="19" name="Ovaal 18">
             <a:extLst>
               <a:ext uri="{FF2B5EF4-FFF2-40B4-BE49-F238E27FC236}">
-                <a16:creationId xmlns:a16="http://schemas.microsoft.com/office/drawing/2014/main" id="{EF2C8953-C3F2-4109-B876-4CC1793784F3}"/>
+                <a16:creationId xmlns:a16="http://schemas.microsoft.com/office/drawing/2014/main" xmlns="" id="{EF2C8953-C3F2-4109-B876-4CC1793784F3}"/>
               </a:ext>
             </a:extLst>
           </p:cNvPr>
@@ -4163,7 +4163,7 @@
           <p:cNvPr id="2" name="Titel 1">
             <a:extLst>
               <a:ext uri="{FF2B5EF4-FFF2-40B4-BE49-F238E27FC236}">
-                <a16:creationId xmlns:a16="http://schemas.microsoft.com/office/drawing/2014/main" id="{C38F647C-53D6-4BA4-A661-45811EC151FF}"/>
+                <a16:creationId xmlns:a16="http://schemas.microsoft.com/office/drawing/2014/main" xmlns="" id="{C38F647C-53D6-4BA4-A661-45811EC151FF}"/>
               </a:ext>
             </a:extLst>
           </p:cNvPr>
@@ -4188,7 +4188,7 @@
           <p:cNvPr id="5" name="Afbeelding 4">
             <a:extLst>
               <a:ext uri="{FF2B5EF4-FFF2-40B4-BE49-F238E27FC236}">
-                <a16:creationId xmlns:a16="http://schemas.microsoft.com/office/drawing/2014/main" id="{CE1FA71C-7DD2-46FF-B8A6-44FB09644B47}"/>
+                <a16:creationId xmlns:a16="http://schemas.microsoft.com/office/drawing/2014/main" xmlns="" id="{CE1FA71C-7DD2-46FF-B8A6-44FB09644B47}"/>
               </a:ext>
             </a:extLst>
           </p:cNvPr>
@@ -4218,7 +4218,7 @@
           <p:cNvPr id="6" name="Tijdelijke aanduiding voor inhoud 5">
             <a:extLst>
               <a:ext uri="{FF2B5EF4-FFF2-40B4-BE49-F238E27FC236}">
-                <a16:creationId xmlns:a16="http://schemas.microsoft.com/office/drawing/2014/main" id="{4E865CE1-4A20-483E-84BE-BAC2A6215A0F}"/>
+                <a16:creationId xmlns:a16="http://schemas.microsoft.com/office/drawing/2014/main" xmlns="" id="{4E865CE1-4A20-483E-84BE-BAC2A6215A0F}"/>
               </a:ext>
             </a:extLst>
           </p:cNvPr>
@@ -4250,7 +4250,7 @@
           <p:cNvPr id="7" name="Ovaal 6">
             <a:extLst>
               <a:ext uri="{FF2B5EF4-FFF2-40B4-BE49-F238E27FC236}">
-                <a16:creationId xmlns:a16="http://schemas.microsoft.com/office/drawing/2014/main" id="{A99A9473-6C64-4257-9E4F-2F2FD1D31B2C}"/>
+                <a16:creationId xmlns:a16="http://schemas.microsoft.com/office/drawing/2014/main" xmlns="" id="{A99A9473-6C64-4257-9E4F-2F2FD1D31B2C}"/>
               </a:ext>
             </a:extLst>
           </p:cNvPr>
@@ -4302,7 +4302,7 @@
           <p:cNvPr id="8" name="Ovaal 7">
             <a:extLst>
               <a:ext uri="{FF2B5EF4-FFF2-40B4-BE49-F238E27FC236}">
-                <a16:creationId xmlns:a16="http://schemas.microsoft.com/office/drawing/2014/main" id="{21D4B811-C8AD-4A2E-876E-B895F5552A4D}"/>
+                <a16:creationId xmlns:a16="http://schemas.microsoft.com/office/drawing/2014/main" xmlns="" id="{21D4B811-C8AD-4A2E-876E-B895F5552A4D}"/>
               </a:ext>
             </a:extLst>
           </p:cNvPr>
@@ -4384,7 +4384,7 @@
           <p:cNvPr id="2" name="Titel 1">
             <a:extLst>
               <a:ext uri="{FF2B5EF4-FFF2-40B4-BE49-F238E27FC236}">
-                <a16:creationId xmlns:a16="http://schemas.microsoft.com/office/drawing/2014/main" id="{66BDB764-8677-4190-8EE4-68C63A8DFAB8}"/>
+                <a16:creationId xmlns:a16="http://schemas.microsoft.com/office/drawing/2014/main" xmlns="" id="{66BDB764-8677-4190-8EE4-68C63A8DFAB8}"/>
               </a:ext>
             </a:extLst>
           </p:cNvPr>
@@ -4409,7 +4409,7 @@
           <p:cNvPr id="3" name="Tijdelijke aanduiding voor inhoud 2">
             <a:extLst>
               <a:ext uri="{FF2B5EF4-FFF2-40B4-BE49-F238E27FC236}">
-                <a16:creationId xmlns:a16="http://schemas.microsoft.com/office/drawing/2014/main" id="{27427524-1A17-44F8-B5A6-1B6C9124EA28}"/>
+                <a16:creationId xmlns:a16="http://schemas.microsoft.com/office/drawing/2014/main" xmlns="" id="{27427524-1A17-44F8-B5A6-1B6C9124EA28}"/>
               </a:ext>
             </a:extLst>
           </p:cNvPr>
@@ -4434,7 +4434,7 @@
           <p:cNvPr id="5" name="Afbeelding 4">
             <a:extLst>
               <a:ext uri="{FF2B5EF4-FFF2-40B4-BE49-F238E27FC236}">
-                <a16:creationId xmlns:a16="http://schemas.microsoft.com/office/drawing/2014/main" id="{E78F9F73-A63F-4B7A-BE29-C26EC21DAC1B}"/>
+                <a16:creationId xmlns:a16="http://schemas.microsoft.com/office/drawing/2014/main" xmlns="" id="{E78F9F73-A63F-4B7A-BE29-C26EC21DAC1B}"/>
               </a:ext>
             </a:extLst>
           </p:cNvPr>
@@ -4761,7 +4761,7 @@
   <a:extraClrSchemeLst/>
   <a:extLst>
     <a:ext uri="{05A4C25C-085E-4340-85A3-A5531E510DB2}">
-      <thm15:themeFamily xmlns:thm15="http://schemas.microsoft.com/office/thememl/2012/main" name="Office Theme" id="{62F939B6-93AF-4DB8-9C6B-D6C7DFDC589F}" vid="{4A3C46E8-61CC-4603-A589-7422A47A8E4A}"/>
+      <thm15:themeFamily xmlns:thm15="http://schemas.microsoft.com/office/thememl/2012/main" xmlns="" name="Office Theme" id="{62F939B6-93AF-4DB8-9C6B-D6C7DFDC589F}" vid="{4A3C46E8-61CC-4603-A589-7422A47A8E4A}"/>
     </a:ext>
   </a:extLst>
 </a:theme>
